--- a/apresentacoes/PIBITI-2020-GERAL.pptx
+++ b/apresentacoes/PIBITI-2020-GERAL.pptx
@@ -7396,7 +7396,7 @@
             </a:pPr>
             <a:r>
               <a:rPr lang="pt-BR" sz="1200" dirty="0"/>
-              <a:t>Em cada etapa de conexão, a rede deve ser testada. Caso a conexão caia, o modulo deve abortar as operações em andamento.</a:t>
+              <a:t>Em cada etapa de conexão, a rede deve ser testada. Caso a conexão caia, o modulo deve abortar as operações em andamento e voltar à etapa de reconexão.</a:t>
             </a:r>
           </a:p>
         </p:txBody>
